--- a/2022_T4_Nhom13.pptx
+++ b/2022_T4_Nhom13.pptx
@@ -254,7 +254,7 @@
           <a:p>
             <a:fld id="{71CC5227-3D46-4619-88EC-F263E49CE6A7}" type="datetimeFigureOut">
               <a:rPr lang="en-SG" smtClean="0"/>
-              <a:t>29/11/2022</a:t>
+              <a:t>30/11/2022</a:t>
             </a:fld>
             <a:endParaRPr lang="en-SG"/>
           </a:p>
@@ -424,7 +424,7 @@
           <a:p>
             <a:fld id="{71CC5227-3D46-4619-88EC-F263E49CE6A7}" type="datetimeFigureOut">
               <a:rPr lang="en-SG" smtClean="0"/>
-              <a:t>29/11/2022</a:t>
+              <a:t>30/11/2022</a:t>
             </a:fld>
             <a:endParaRPr lang="en-SG"/>
           </a:p>
@@ -604,7 +604,7 @@
           <a:p>
             <a:fld id="{71CC5227-3D46-4619-88EC-F263E49CE6A7}" type="datetimeFigureOut">
               <a:rPr lang="en-SG" smtClean="0"/>
-              <a:t>29/11/2022</a:t>
+              <a:t>30/11/2022</a:t>
             </a:fld>
             <a:endParaRPr lang="en-SG"/>
           </a:p>
@@ -774,7 +774,7 @@
           <a:p>
             <a:fld id="{71CC5227-3D46-4619-88EC-F263E49CE6A7}" type="datetimeFigureOut">
               <a:rPr lang="en-SG" smtClean="0"/>
-              <a:t>29/11/2022</a:t>
+              <a:t>30/11/2022</a:t>
             </a:fld>
             <a:endParaRPr lang="en-SG"/>
           </a:p>
@@ -1020,7 +1020,7 @@
           <a:p>
             <a:fld id="{71CC5227-3D46-4619-88EC-F263E49CE6A7}" type="datetimeFigureOut">
               <a:rPr lang="en-SG" smtClean="0"/>
-              <a:t>29/11/2022</a:t>
+              <a:t>30/11/2022</a:t>
             </a:fld>
             <a:endParaRPr lang="en-SG"/>
           </a:p>
@@ -1252,7 +1252,7 @@
           <a:p>
             <a:fld id="{71CC5227-3D46-4619-88EC-F263E49CE6A7}" type="datetimeFigureOut">
               <a:rPr lang="en-SG" smtClean="0"/>
-              <a:t>29/11/2022</a:t>
+              <a:t>30/11/2022</a:t>
             </a:fld>
             <a:endParaRPr lang="en-SG"/>
           </a:p>
@@ -1619,7 +1619,7 @@
           <a:p>
             <a:fld id="{71CC5227-3D46-4619-88EC-F263E49CE6A7}" type="datetimeFigureOut">
               <a:rPr lang="en-SG" smtClean="0"/>
-              <a:t>29/11/2022</a:t>
+              <a:t>30/11/2022</a:t>
             </a:fld>
             <a:endParaRPr lang="en-SG"/>
           </a:p>
@@ -1737,7 +1737,7 @@
           <a:p>
             <a:fld id="{71CC5227-3D46-4619-88EC-F263E49CE6A7}" type="datetimeFigureOut">
               <a:rPr lang="en-SG" smtClean="0"/>
-              <a:t>29/11/2022</a:t>
+              <a:t>30/11/2022</a:t>
             </a:fld>
             <a:endParaRPr lang="en-SG"/>
           </a:p>
@@ -1832,7 +1832,7 @@
           <a:p>
             <a:fld id="{71CC5227-3D46-4619-88EC-F263E49CE6A7}" type="datetimeFigureOut">
               <a:rPr lang="en-SG" smtClean="0"/>
-              <a:t>29/11/2022</a:t>
+              <a:t>30/11/2022</a:t>
             </a:fld>
             <a:endParaRPr lang="en-SG"/>
           </a:p>
@@ -2109,7 +2109,7 @@
           <a:p>
             <a:fld id="{71CC5227-3D46-4619-88EC-F263E49CE6A7}" type="datetimeFigureOut">
               <a:rPr lang="en-SG" smtClean="0"/>
-              <a:t>29/11/2022</a:t>
+              <a:t>30/11/2022</a:t>
             </a:fld>
             <a:endParaRPr lang="en-SG"/>
           </a:p>
@@ -2362,7 +2362,7 @@
           <a:p>
             <a:fld id="{71CC5227-3D46-4619-88EC-F263E49CE6A7}" type="datetimeFigureOut">
               <a:rPr lang="en-SG" smtClean="0"/>
-              <a:t>29/11/2022</a:t>
+              <a:t>30/11/2022</a:t>
             </a:fld>
             <a:endParaRPr lang="en-SG"/>
           </a:p>
@@ -2575,7 +2575,7 @@
           <a:p>
             <a:fld id="{71CC5227-3D46-4619-88EC-F263E49CE6A7}" type="datetimeFigureOut">
               <a:rPr lang="en-SG" smtClean="0"/>
-              <a:t>29/11/2022</a:t>
+              <a:t>30/11/2022</a:t>
             </a:fld>
             <a:endParaRPr lang="en-SG"/>
           </a:p>
@@ -3025,14 +3025,7 @@
                 <a:latin typeface="Arial" panose="020B0604020202020204" pitchFamily="34" charset="0"/>
                 <a:cs typeface="Arial" panose="020B0604020202020204" pitchFamily="34" charset="0"/>
               </a:rPr>
-              <a:t>Giảng viên: Nguyễn Công Đức </a:t>
-            </a:r>
-            <a:r>
-              <a:rPr lang="en-SG" sz="3600" dirty="0" smtClean="0">
-                <a:latin typeface="Arial" panose="020B0604020202020204" pitchFamily="34" charset="0"/>
-                <a:cs typeface="Arial" panose="020B0604020202020204" pitchFamily="34" charset="0"/>
-              </a:rPr>
-              <a:t>Song</a:t>
+              <a:t>Giảng viên: Nguyễn Công Đức Song</a:t>
             </a:r>
             <a:br>
               <a:rPr lang="en-SG" sz="3600" dirty="0" smtClean="0">
@@ -3047,13 +3040,6 @@
               </a:rPr>
               <a:t>                   Đặng Minh Tiến</a:t>
             </a:r>
-            <a:r>
-              <a:rPr lang="en-SG" sz="3600" dirty="0" smtClean="0">
-                <a:latin typeface="Arial" panose="020B0604020202020204" pitchFamily="34" charset="0"/>
-                <a:cs typeface="Arial" panose="020B0604020202020204" pitchFamily="34" charset="0"/>
-              </a:rPr>
-              <a:t/>
-            </a:r>
             <a:br>
               <a:rPr lang="en-SG" sz="3600" dirty="0" smtClean="0">
                 <a:latin typeface="Arial" panose="020B0604020202020204" pitchFamily="34" charset="0"/>
@@ -3084,8 +3070,8 @@
         </p:nvSpPr>
         <p:spPr>
           <a:xfrm>
-            <a:off x="2410687" y="3503754"/>
-            <a:ext cx="7518401" cy="861148"/>
+            <a:off x="2279068" y="3369107"/>
+            <a:ext cx="7781639" cy="861148"/>
           </a:xfrm>
           <a:prstGeom prst="rect">
             <a:avLst/>
@@ -3093,7 +3079,7 @@
         </p:spPr>
         <p:txBody>
           <a:bodyPr vert="horz" lIns="91440" tIns="45720" rIns="91440" bIns="45720" rtlCol="0" anchor="b">
-            <a:normAutofit/>
+            <a:normAutofit fontScale="77500" lnSpcReduction="20000"/>
           </a:bodyPr>
           <a:lstStyle>
             <a:lvl1pPr algn="ctr" defTabSz="914400" rtl="0" eaLnBrk="1" latinLnBrk="0" hangingPunct="1">
@@ -3127,7 +3113,49 @@
                 <a:latin typeface="Arial" panose="020B0604020202020204" pitchFamily="34" charset="0"/>
                 <a:cs typeface="Arial" panose="020B0604020202020204" pitchFamily="34" charset="0"/>
               </a:rPr>
-              <a:t>Chủ đề: KIỂM TRA XỔ SỐ</a:t>
+              <a:t>CHỦ ĐỀ: </a:t>
+            </a:r>
+            <a:r>
+              <a:rPr lang="en-SG" sz="4400" b="1" dirty="0" smtClean="0">
+                <a:effectLst>
+                  <a:outerShdw blurRad="38100" dist="38100" dir="2700000" algn="tl">
+                    <a:srgbClr val="000000">
+                      <a:alpha val="43137"/>
+                    </a:srgbClr>
+                  </a:outerShdw>
+                </a:effectLst>
+                <a:latin typeface="Arial" panose="020B0604020202020204" pitchFamily="34" charset="0"/>
+                <a:cs typeface="Arial" panose="020B0604020202020204" pitchFamily="34" charset="0"/>
+              </a:rPr>
+              <a:t>KIỂM </a:t>
+            </a:r>
+            <a:r>
+              <a:rPr lang="en-SG" sz="4400" b="1" dirty="0" smtClean="0">
+                <a:effectLst>
+                  <a:outerShdw blurRad="38100" dist="38100" dir="2700000" algn="tl">
+                    <a:srgbClr val="000000">
+                      <a:alpha val="43137"/>
+                    </a:srgbClr>
+                  </a:outerShdw>
+                </a:effectLst>
+                <a:latin typeface="Arial" panose="020B0604020202020204" pitchFamily="34" charset="0"/>
+                <a:cs typeface="Arial" panose="020B0604020202020204" pitchFamily="34" charset="0"/>
+              </a:rPr>
+              <a:t>TRA KẾT QUẢ </a:t>
+            </a:r>
+            <a:r>
+              <a:rPr lang="en-SG" sz="4400" b="1" dirty="0" smtClean="0">
+                <a:effectLst>
+                  <a:outerShdw blurRad="38100" dist="38100" dir="2700000" algn="tl">
+                    <a:srgbClr val="000000">
+                      <a:alpha val="43137"/>
+                    </a:srgbClr>
+                  </a:outerShdw>
+                </a:effectLst>
+                <a:latin typeface="Arial" panose="020B0604020202020204" pitchFamily="34" charset="0"/>
+                <a:cs typeface="Arial" panose="020B0604020202020204" pitchFamily="34" charset="0"/>
+              </a:rPr>
+              <a:t>XỔ SỐ</a:t>
             </a:r>
             <a:endParaRPr lang="en-SG" sz="4400" b="1" dirty="0">
               <a:effectLst>
@@ -3263,6 +3291,9 @@
   <p:clrMapOvr>
     <a:masterClrMapping/>
   </p:clrMapOvr>
+  <p:transition spd="slow">
+    <p:cover/>
+  </p:transition>
   <p:timing>
     <p:tnLst>
       <p:par>
@@ -3864,6 +3895,9 @@
   <p:clrMapOvr>
     <a:masterClrMapping/>
   </p:clrMapOvr>
+  <p:transition spd="slow">
+    <p:cover/>
+  </p:transition>
   <p:timing>
     <p:tnLst>
       <p:par>
@@ -4202,6 +4236,9 @@
   <p:clrMapOvr>
     <a:masterClrMapping/>
   </p:clrMapOvr>
+  <p:transition spd="slow">
+    <p:cover/>
+  </p:transition>
   <p:timing>
     <p:tnLst>
       <p:par>
@@ -4239,8 +4276,8 @@
         </p:nvSpPr>
         <p:spPr>
           <a:xfrm>
-            <a:off x="152398" y="198436"/>
-            <a:ext cx="7698511" cy="466582"/>
+            <a:off x="1417780" y="2895454"/>
+            <a:ext cx="9462656" cy="863746"/>
           </a:xfrm>
           <a:prstGeom prst="rect">
             <a:avLst/>
@@ -4248,7 +4285,7 @@
         </p:spPr>
         <p:txBody>
           <a:bodyPr vert="horz" lIns="91440" tIns="45720" rIns="91440" bIns="45720" rtlCol="0">
-            <a:normAutofit lnSpcReduction="10000"/>
+            <a:noAutofit/>
           </a:bodyPr>
           <a:lstStyle>
             <a:lvl1pPr marL="228600" indent="-228600" algn="l" defTabSz="914400" rtl="0" eaLnBrk="1" latinLnBrk="0" hangingPunct="1">
@@ -4415,17 +4452,17 @@
             </a:lvl9pPr>
           </a:lstStyle>
           <a:p>
-            <a:pPr marL="0" indent="0">
+            <a:pPr marL="0" indent="0" algn="ctr">
               <a:buNone/>
             </a:pPr>
             <a:r>
-              <a:rPr lang="en-SG" b="1" dirty="0" smtClean="0">
+              <a:rPr lang="en-SG" sz="6000" b="1" dirty="0" smtClean="0">
                 <a:latin typeface="Arial" panose="020B0604020202020204" pitchFamily="34" charset="0"/>
                 <a:cs typeface="Arial" panose="020B0604020202020204" pitchFamily="34" charset="0"/>
               </a:rPr>
-              <a:t>THÀNH VIÊN</a:t>
-            </a:r>
-            <a:endParaRPr lang="en-SG" b="1" dirty="0">
+              <a:t>CẢM ƠN THẦY ĐÃ XEM!</a:t>
+            </a:r>
+            <a:endParaRPr lang="en-SG" sz="6000" b="1" dirty="0">
               <a:latin typeface="Arial" panose="020B0604020202020204" pitchFamily="34" charset="0"/>
               <a:cs typeface="Arial" panose="020B0604020202020204" pitchFamily="34" charset="0"/>
             </a:endParaRPr>
@@ -4442,6 +4479,9 @@
   <p:clrMapOvr>
     <a:masterClrMapping/>
   </p:clrMapOvr>
+  <p:transition spd="slow">
+    <p:cover/>
+  </p:transition>
   <p:timing>
     <p:tnLst>
       <p:par>
@@ -5230,7 +5270,7 @@
         </p:nvSpPr>
         <p:spPr>
           <a:xfrm>
-            <a:off x="858983" y="5062664"/>
+            <a:off x="152398" y="4743355"/>
             <a:ext cx="5777544" cy="461665"/>
           </a:xfrm>
           <a:prstGeom prst="rect">
@@ -5266,6 +5306,30 @@
           </a:p>
         </p:txBody>
       </p:sp>
+      <p:pic>
+        <p:nvPicPr>
+          <p:cNvPr id="2" name="Picture 1"/>
+          <p:cNvPicPr>
+            <a:picLocks noChangeAspect="1"/>
+          </p:cNvPicPr>
+          <p:nvPr/>
+        </p:nvPicPr>
+        <p:blipFill>
+          <a:blip r:embed="rId3"/>
+          <a:stretch>
+            <a:fillRect/>
+          </a:stretch>
+        </p:blipFill>
+        <p:spPr>
+          <a:xfrm>
+            <a:off x="5863472" y="3549206"/>
+            <a:ext cx="6202838" cy="3004500"/>
+          </a:xfrm>
+          <a:prstGeom prst="rect">
+            <a:avLst/>
+          </a:prstGeom>
+        </p:spPr>
+      </p:pic>
     </p:spTree>
     <p:extLst>
       <p:ext uri="{BB962C8B-B14F-4D97-AF65-F5344CB8AC3E}">
@@ -5276,6 +5340,9 @@
   <p:clrMapOvr>
     <a:masterClrMapping/>
   </p:clrMapOvr>
+  <p:transition spd="slow">
+    <p:cover/>
+  </p:transition>
   <p:timing>
     <p:tnLst>
       <p:par>
@@ -5731,6 +5798,9 @@
   <p:clrMapOvr>
     <a:masterClrMapping/>
   </p:clrMapOvr>
+  <p:transition spd="slow">
+    <p:cover/>
+  </p:transition>
   <p:timing>
     <p:tnLst>
       <p:par>
@@ -6001,6 +6071,9 @@
   <p:clrMapOvr>
     <a:masterClrMapping/>
   </p:clrMapOvr>
+  <p:transition spd="slow">
+    <p:cover/>
+  </p:transition>
   <p:timing>
     <p:tnLst>
       <p:par>
@@ -6301,6 +6374,9 @@
   <p:clrMapOvr>
     <a:masterClrMapping/>
   </p:clrMapOvr>
+  <p:transition spd="slow">
+    <p:cover/>
+  </p:transition>
   <p:timing>
     <p:tnLst>
       <p:par>
@@ -6601,6 +6677,9 @@
   <p:clrMapOvr>
     <a:masterClrMapping/>
   </p:clrMapOvr>
+  <p:transition spd="slow">
+    <p:cover/>
+  </p:transition>
   <p:timing>
     <p:tnLst>
       <p:par>
@@ -6901,6 +6980,9 @@
   <p:clrMapOvr>
     <a:masterClrMapping/>
   </p:clrMapOvr>
+  <p:transition spd="slow">
+    <p:cover/>
+  </p:transition>
   <p:timing>
     <p:tnLst>
       <p:par>
@@ -7201,6 +7283,9 @@
   <p:clrMapOvr>
     <a:masterClrMapping/>
   </p:clrMapOvr>
+  <p:transition spd="slow">
+    <p:cover/>
+  </p:transition>
   <p:timing>
     <p:tnLst>
       <p:par>
@@ -7470,6 +7555,9 @@
   <p:clrMapOvr>
     <a:masterClrMapping/>
   </p:clrMapOvr>
+  <p:transition spd="slow">
+    <p:cover/>
+  </p:transition>
   <p:timing>
     <p:tnLst>
       <p:par>
